--- a/submission/Presentation.pptx
+++ b/submission/Presentation.pptx
@@ -113,6 +113,11 @@
       </a:defRPr>
     </a:lvl9pPr>
   </p:defaultTextStyle>
+  <p:extLst>
+    <p:ext uri="{EFAFB233-063F-42B5-8137-9DF3F51BA10A}">
+      <p15:sldGuideLst xmlns:p15="http://schemas.microsoft.com/office/powerpoint/2012/main"/>
+    </p:ext>
+  </p:extLst>
 </p:presentation>
 </file>
 
@@ -284,7 +289,7 @@
           <a:p>
             <a:fld id="{95DE2F2E-2D96-420A-AF19-79C5C696C989}" type="datetimeFigureOut">
               <a:rPr lang="en-US" smtClean="0"/>
-              <a:t>7/13/2016</a:t>
+              <a:t>7/14/2016</a:t>
             </a:fld>
             <a:endParaRPr lang="en-US"/>
           </a:p>
@@ -512,7 +517,7 @@
           <a:p>
             <a:fld id="{95DE2F2E-2D96-420A-AF19-79C5C696C989}" type="datetimeFigureOut">
               <a:rPr lang="en-US" smtClean="0"/>
-              <a:t>7/13/2016</a:t>
+              <a:t>7/14/2016</a:t>
             </a:fld>
             <a:endParaRPr lang="en-US"/>
           </a:p>
@@ -692,7 +697,7 @@
           <a:p>
             <a:fld id="{95DE2F2E-2D96-420A-AF19-79C5C696C989}" type="datetimeFigureOut">
               <a:rPr lang="en-US" smtClean="0"/>
-              <a:t>7/13/2016</a:t>
+              <a:t>7/14/2016</a:t>
             </a:fld>
             <a:endParaRPr lang="en-US"/>
           </a:p>
@@ -862,7 +867,7 @@
           <a:p>
             <a:fld id="{95DE2F2E-2D96-420A-AF19-79C5C696C989}" type="datetimeFigureOut">
               <a:rPr lang="en-US" smtClean="0"/>
-              <a:t>7/13/2016</a:t>
+              <a:t>7/14/2016</a:t>
             </a:fld>
             <a:endParaRPr lang="en-US"/>
           </a:p>
@@ -1116,7 +1121,7 @@
           <a:p>
             <a:fld id="{95DE2F2E-2D96-420A-AF19-79C5C696C989}" type="datetimeFigureOut">
               <a:rPr lang="en-US" smtClean="0"/>
-              <a:t>7/13/2016</a:t>
+              <a:t>7/14/2016</a:t>
             </a:fld>
             <a:endParaRPr lang="en-US"/>
           </a:p>
@@ -1442,7 +1447,7 @@
           <a:p>
             <a:fld id="{95DE2F2E-2D96-420A-AF19-79C5C696C989}" type="datetimeFigureOut">
               <a:rPr lang="en-US" smtClean="0"/>
-              <a:t>7/13/2016</a:t>
+              <a:t>7/14/2016</a:t>
             </a:fld>
             <a:endParaRPr lang="en-US"/>
           </a:p>
@@ -1893,7 +1898,7 @@
           <a:p>
             <a:fld id="{95DE2F2E-2D96-420A-AF19-79C5C696C989}" type="datetimeFigureOut">
               <a:rPr lang="en-US" smtClean="0"/>
-              <a:t>7/13/2016</a:t>
+              <a:t>7/14/2016</a:t>
             </a:fld>
             <a:endParaRPr lang="en-US"/>
           </a:p>
@@ -2011,7 +2016,7 @@
           <a:p>
             <a:fld id="{95DE2F2E-2D96-420A-AF19-79C5C696C989}" type="datetimeFigureOut">
               <a:rPr lang="en-US" smtClean="0"/>
-              <a:t>7/13/2016</a:t>
+              <a:t>7/14/2016</a:t>
             </a:fld>
             <a:endParaRPr lang="en-US"/>
           </a:p>
@@ -2106,7 +2111,7 @@
           <a:p>
             <a:fld id="{95DE2F2E-2D96-420A-AF19-79C5C696C989}" type="datetimeFigureOut">
               <a:rPr lang="en-US" smtClean="0"/>
-              <a:t>7/13/2016</a:t>
+              <a:t>7/14/2016</a:t>
             </a:fld>
             <a:endParaRPr lang="en-US"/>
           </a:p>
@@ -2393,7 +2398,7 @@
           <a:p>
             <a:fld id="{95DE2F2E-2D96-420A-AF19-79C5C696C989}" type="datetimeFigureOut">
               <a:rPr lang="en-US" smtClean="0"/>
-              <a:t>7/13/2016</a:t>
+              <a:t>7/14/2016</a:t>
             </a:fld>
             <a:endParaRPr lang="en-US"/>
           </a:p>
@@ -2715,7 +2720,7 @@
           <a:p>
             <a:fld id="{95DE2F2E-2D96-420A-AF19-79C5C696C989}" type="datetimeFigureOut">
               <a:rPr lang="en-US" smtClean="0"/>
-              <a:t>7/13/2016</a:t>
+              <a:t>7/14/2016</a:t>
             </a:fld>
             <a:endParaRPr lang="en-US"/>
           </a:p>
@@ -2969,7 +2974,7 @@
           <a:p>
             <a:fld id="{95DE2F2E-2D96-420A-AF19-79C5C696C989}" type="datetimeFigureOut">
               <a:rPr lang="en-US" smtClean="0"/>
-              <a:t>7/13/2016</a:t>
+              <a:t>7/14/2016</a:t>
             </a:fld>
             <a:endParaRPr lang="en-US"/>
           </a:p>
@@ -4537,7 +4542,6 @@
               <a:rPr lang="en-US" sz="2000" dirty="0" smtClean="0"/>
               <a:t>Proxy</a:t>
             </a:r>
-            <a:endParaRPr lang="en-US" sz="2000" dirty="0" smtClean="0"/>
           </a:p>
           <a:p>
             <a:r>
@@ -4693,9 +4697,7 @@
       </p:sp>
       <p:pic>
         <p:nvPicPr>
-          <p:cNvPr id="4" name="Content Placeholder 3">
-            <a:hlinkClick r:id="rId2" action="ppaction://hlinkfile"/>
-          </p:cNvPr>
+          <p:cNvPr id="5" name="Content Placeholder 4"/>
           <p:cNvPicPr>
             <a:picLocks noGrp="1" noChangeAspect="1"/>
           </p:cNvPicPr>
@@ -4704,7 +4706,7 @@
           </p:nvPr>
         </p:nvPicPr>
         <p:blipFill>
-          <a:blip r:embed="rId3" cstate="print">
+          <a:blip r:embed="rId2" cstate="print">
             <a:extLst>
               <a:ext uri="{28A0092B-C50C-407E-A947-70E740481C1C}">
                 <a14:useLocalDpi xmlns:a14="http://schemas.microsoft.com/office/drawing/2010/main" val="0"/>
@@ -4717,8 +4719,8 @@
         </p:blipFill>
         <p:spPr>
           <a:xfrm>
-            <a:off x="1003270" y="2411565"/>
-            <a:ext cx="8988172" cy="3204232"/>
+            <a:off x="1664898" y="1738817"/>
+            <a:ext cx="7910423" cy="5119183"/>
           </a:xfrm>
         </p:spPr>
       </p:pic>
